--- a/resource/document/MetaOutput - Preview.pptx
+++ b/resource/document/MetaOutput - Preview.pptx
@@ -104,6 +104,11 @@
       </a:defRPr>
     </a:lvl9pPr>
   </p:defaultTextStyle>
+  <p:extLst>
+    <p:ext uri="{EFAFB233-063F-42B5-8137-9DF3F51BA10A}">
+      <p15:sldGuideLst xmlns:p15="http://schemas.microsoft.com/office/powerpoint/2012/main"/>
+    </p:ext>
+  </p:extLst>
 </p:presentation>
 </file>
 
@@ -254,7 +259,7 @@
           <a:p>
             <a:fld id="{211EE3AE-DBF7-4FF9-AD81-A3D2A033B24A}" type="datetimeFigureOut">
               <a:rPr lang="en-US" smtClean="0"/>
-              <a:t>10/15/2021</a:t>
+              <a:t>10/28/2021</a:t>
             </a:fld>
             <a:endParaRPr lang="en-US"/>
           </a:p>
@@ -452,7 +457,7 @@
           <a:p>
             <a:fld id="{211EE3AE-DBF7-4FF9-AD81-A3D2A033B24A}" type="datetimeFigureOut">
               <a:rPr lang="en-US" smtClean="0"/>
-              <a:t>10/15/2021</a:t>
+              <a:t>10/28/2021</a:t>
             </a:fld>
             <a:endParaRPr lang="en-US"/>
           </a:p>
@@ -660,7 +665,7 @@
           <a:p>
             <a:fld id="{211EE3AE-DBF7-4FF9-AD81-A3D2A033B24A}" type="datetimeFigureOut">
               <a:rPr lang="en-US" smtClean="0"/>
-              <a:t>10/15/2021</a:t>
+              <a:t>10/28/2021</a:t>
             </a:fld>
             <a:endParaRPr lang="en-US"/>
           </a:p>
@@ -858,7 +863,7 @@
           <a:p>
             <a:fld id="{211EE3AE-DBF7-4FF9-AD81-A3D2A033B24A}" type="datetimeFigureOut">
               <a:rPr lang="en-US" smtClean="0"/>
-              <a:t>10/15/2021</a:t>
+              <a:t>10/28/2021</a:t>
             </a:fld>
             <a:endParaRPr lang="en-US"/>
           </a:p>
@@ -1133,7 +1138,7 @@
           <a:p>
             <a:fld id="{211EE3AE-DBF7-4FF9-AD81-A3D2A033B24A}" type="datetimeFigureOut">
               <a:rPr lang="en-US" smtClean="0"/>
-              <a:t>10/15/2021</a:t>
+              <a:t>10/28/2021</a:t>
             </a:fld>
             <a:endParaRPr lang="en-US"/>
           </a:p>
@@ -1398,7 +1403,7 @@
           <a:p>
             <a:fld id="{211EE3AE-DBF7-4FF9-AD81-A3D2A033B24A}" type="datetimeFigureOut">
               <a:rPr lang="en-US" smtClean="0"/>
-              <a:t>10/15/2021</a:t>
+              <a:t>10/28/2021</a:t>
             </a:fld>
             <a:endParaRPr lang="en-US"/>
           </a:p>
@@ -1810,7 +1815,7 @@
           <a:p>
             <a:fld id="{211EE3AE-DBF7-4FF9-AD81-A3D2A033B24A}" type="datetimeFigureOut">
               <a:rPr lang="en-US" smtClean="0"/>
-              <a:t>10/15/2021</a:t>
+              <a:t>10/28/2021</a:t>
             </a:fld>
             <a:endParaRPr lang="en-US"/>
           </a:p>
@@ -1951,7 +1956,7 @@
           <a:p>
             <a:fld id="{211EE3AE-DBF7-4FF9-AD81-A3D2A033B24A}" type="datetimeFigureOut">
               <a:rPr lang="en-US" smtClean="0"/>
-              <a:t>10/15/2021</a:t>
+              <a:t>10/28/2021</a:t>
             </a:fld>
             <a:endParaRPr lang="en-US"/>
           </a:p>
@@ -2064,7 +2069,7 @@
           <a:p>
             <a:fld id="{211EE3AE-DBF7-4FF9-AD81-A3D2A033B24A}" type="datetimeFigureOut">
               <a:rPr lang="en-US" smtClean="0"/>
-              <a:t>10/15/2021</a:t>
+              <a:t>10/28/2021</a:t>
             </a:fld>
             <a:endParaRPr lang="en-US"/>
           </a:p>
@@ -2375,7 +2380,7 @@
           <a:p>
             <a:fld id="{211EE3AE-DBF7-4FF9-AD81-A3D2A033B24A}" type="datetimeFigureOut">
               <a:rPr lang="en-US" smtClean="0"/>
-              <a:t>10/15/2021</a:t>
+              <a:t>10/28/2021</a:t>
             </a:fld>
             <a:endParaRPr lang="en-US"/>
           </a:p>
@@ -2663,7 +2668,7 @@
           <a:p>
             <a:fld id="{211EE3AE-DBF7-4FF9-AD81-A3D2A033B24A}" type="datetimeFigureOut">
               <a:rPr lang="en-US" smtClean="0"/>
-              <a:t>10/15/2021</a:t>
+              <a:t>10/28/2021</a:t>
             </a:fld>
             <a:endParaRPr lang="en-US"/>
           </a:p>
@@ -2904,7 +2909,7 @@
           <a:p>
             <a:fld id="{211EE3AE-DBF7-4FF9-AD81-A3D2A033B24A}" type="datetimeFigureOut">
               <a:rPr lang="en-US" smtClean="0"/>
-              <a:t>10/15/2021</a:t>
+              <a:t>10/28/2021</a:t>
             </a:fld>
             <a:endParaRPr lang="en-US"/>
           </a:p>
@@ -3331,11 +3336,11 @@
       </p:grpSpPr>
       <p:pic>
         <p:nvPicPr>
-          <p:cNvPr id="6" name="r2HyDRrH3O">
+          <p:cNvPr id="2" name="MetaOutput - Preview">
             <a:hlinkClick r:id="" action="ppaction://media"/>
             <a:extLst>
               <a:ext uri="{FF2B5EF4-FFF2-40B4-BE49-F238E27FC236}">
-                <a16:creationId xmlns:a16="http://schemas.microsoft.com/office/drawing/2014/main" id="{372D3C53-D90F-4BE8-A078-0ED1205412F3}"/>
+                <a16:creationId xmlns:a16="http://schemas.microsoft.com/office/drawing/2014/main" id="{0B43C601-C04E-4FB8-A04C-879322E4F15C}"/>
               </a:ext>
             </a:extLst>
           </p:cNvPr>
@@ -3353,23 +3358,23 @@
         </p:nvPicPr>
         <p:blipFill rotWithShape="1">
           <a:blip r:embed="rId4"/>
-          <a:srcRect t="1" r="1396" b="4494"/>
+          <a:srcRect l="1" r="961"/>
           <a:stretch/>
         </p:blipFill>
         <p:spPr>
           <a:xfrm>
-            <a:off x="2594263" y="1985529"/>
-            <a:ext cx="8452800" cy="2365200"/>
+            <a:off x="1350613" y="1941311"/>
+            <a:ext cx="8697600" cy="2286000"/>
           </a:xfrm>
           <a:prstGeom prst="rect">
             <a:avLst/>
           </a:prstGeom>
           <a:effectLst>
-            <a:reflection blurRad="6350" stA="77000" endPos="30000" dist="152400" dir="5400000" sy="-100000" algn="bl" rotWithShape="0"/>
+            <a:reflection blurRad="6350" stA="30000" endPos="32000" dist="101600" dir="5400000" sy="-100000" algn="bl" rotWithShape="0"/>
           </a:effectLst>
           <a:scene3d>
-            <a:camera prst="perspectiveRelaxedModerately" fov="3000000">
-              <a:rot lat="19800000" lon="19488000" rev="1164000"/>
+            <a:camera prst="perspectiveHeroicExtremeLeftFacing" fov="4200000">
+              <a:rot lat="19276236" lon="784286" rev="21180000"/>
             </a:camera>
             <a:lightRig rig="threePt" dir="t"/>
           </a:scene3d>
@@ -3386,11 +3391,11 @@
   <p:clrMapOvr>
     <a:masterClrMapping/>
   </p:clrMapOvr>
-  <mc:AlternateContent xmlns:mc="http://schemas.openxmlformats.org/markup-compatibility/2006">
-    <mc:Choice xmlns:p14="http://schemas.microsoft.com/office/powerpoint/2010/main" Requires="p14">
+  <mc:AlternateContent xmlns:mc="http://schemas.openxmlformats.org/markup-compatibility/2006" xmlns:p14="http://schemas.microsoft.com/office/powerpoint/2010/main">
+    <mc:Choice Requires="p14">
       <p:transition p14:dur="10"/>
     </mc:Choice>
-    <mc:Fallback>
+    <mc:Fallback xmlns="">
       <p:transition/>
     </mc:Fallback>
   </mc:AlternateContent>
@@ -3406,9 +3411,6 @@
                     <p:cTn id="3" fill="hold">
                       <p:stCondLst>
                         <p:cond delay="indefinite"/>
-                        <p:cond evt="onBegin" delay="0">
-                          <p:tn val="2"/>
-                        </p:cond>
                       </p:stCondLst>
                       <p:childTnLst>
                         <p:par>
@@ -3418,16 +3420,16 @@
                             </p:stCondLst>
                             <p:childTnLst>
                               <p:par>
-                                <p:cTn id="5" presetID="1" presetClass="mediacall" presetSubtype="0" fill="hold" nodeType="withEffect">
+                                <p:cTn id="5" presetID="1" presetClass="mediacall" presetSubtype="0" fill="hold" nodeType="clickEffect">
                                   <p:stCondLst>
                                     <p:cond delay="0"/>
                                   </p:stCondLst>
                                   <p:childTnLst>
                                     <p:cmd type="call" cmd="playFrom(0.0)">
                                       <p:cBhvr>
-                                        <p:cTn id="6" dur="30367" fill="hold"/>
+                                        <p:cTn id="6" dur="20734" fill="hold"/>
                                         <p:tgtEl>
-                                          <p:spTgt spid="6"/>
+                                          <p:spTgt spid="2"/>
                                         </p:tgtEl>
                                       </p:cBhvr>
                                     </p:cmd>
@@ -3465,7 +3467,7 @@
                   </p:stCondLst>
                 </p:cTn>
                 <p:tgtEl>
-                  <p:spTgt spid="6"/>
+                  <p:spTgt spid="2"/>
                 </p:tgtEl>
               </p:cMediaNode>
             </p:video>
@@ -3474,7 +3476,7 @@
                 <p:stCondLst>
                   <p:cond evt="onClick" delay="0">
                     <p:tgtEl>
-                      <p:spTgt spid="6"/>
+                      <p:spTgt spid="2"/>
                     </p:tgtEl>
                   </p:cond>
                 </p:stCondLst>
@@ -3495,7 +3497,7 @@
                             </p:stCondLst>
                             <p:childTnLst>
                               <p:par>
-                                <p:cTn id="11" presetID="2" presetClass="mediacall" presetSubtype="0" fill="hold" nodeType="withEffect">
+                                <p:cTn id="11" presetID="2" presetClass="mediacall" presetSubtype="0" fill="hold" nodeType="clickEffect">
                                   <p:stCondLst>
                                     <p:cond delay="0"/>
                                   </p:stCondLst>
@@ -3504,7 +3506,7 @@
                                       <p:cBhvr>
                                         <p:cTn id="12" dur="1" fill="hold"/>
                                         <p:tgtEl>
-                                          <p:spTgt spid="6"/>
+                                          <p:spTgt spid="2"/>
                                         </p:tgtEl>
                                       </p:cBhvr>
                                     </p:cmd>
@@ -3522,7 +3524,7 @@
               <p:nextCondLst>
                 <p:cond evt="onClick" delay="0">
                   <p:tgtEl>
-                    <p:spTgt spid="6"/>
+                    <p:spTgt spid="2"/>
                   </p:tgtEl>
                 </p:cond>
               </p:nextCondLst>

--- a/resource/document/MetaOutput - Preview.pptx
+++ b/resource/document/MetaOutput - Preview.pptx
@@ -3358,13 +3358,13 @@
         </p:nvPicPr>
         <p:blipFill rotWithShape="1">
           <a:blip r:embed="rId4"/>
-          <a:srcRect l="1" r="961"/>
+          <a:srcRect r="920"/>
           <a:stretch/>
         </p:blipFill>
         <p:spPr>
           <a:xfrm>
             <a:off x="1350613" y="1941311"/>
-            <a:ext cx="8697600" cy="2286000"/>
+            <a:ext cx="8701200" cy="2286000"/>
           </a:xfrm>
           <a:prstGeom prst="rect">
             <a:avLst/>
@@ -3373,8 +3373,8 @@
             <a:reflection blurRad="6350" stA="30000" endPos="32000" dist="101600" dir="5400000" sy="-100000" algn="bl" rotWithShape="0"/>
           </a:effectLst>
           <a:scene3d>
-            <a:camera prst="perspectiveHeroicExtremeLeftFacing" fov="4200000">
-              <a:rot lat="19276236" lon="784286" rev="21180000"/>
+            <a:camera prst="perspectiveFront">
+              <a:rot lat="20099996" lon="0" rev="0"/>
             </a:camera>
             <a:lightRig rig="threePt" dir="t"/>
           </a:scene3d>
@@ -3411,6 +3411,9 @@
                     <p:cTn id="3" fill="hold">
                       <p:stCondLst>
                         <p:cond delay="indefinite"/>
+                        <p:cond evt="onBegin" delay="0">
+                          <p:tn val="2"/>
+                        </p:cond>
                       </p:stCondLst>
                       <p:childTnLst>
                         <p:par>
@@ -3420,7 +3423,7 @@
                             </p:stCondLst>
                             <p:childTnLst>
                               <p:par>
-                                <p:cTn id="5" presetID="1" presetClass="mediacall" presetSubtype="0" fill="hold" nodeType="clickEffect">
+                                <p:cTn id="5" presetID="1" presetClass="mediacall" presetSubtype="0" fill="hold" nodeType="afterEffect">
                                   <p:stCondLst>
                                     <p:cond delay="0"/>
                                   </p:stCondLst>

--- a/resource/document/MetaOutput - Preview.pptx
+++ b/resource/document/MetaOutput - Preview.pptx
@@ -259,7 +259,7 @@
           <a:p>
             <a:fld id="{211EE3AE-DBF7-4FF9-AD81-A3D2A033B24A}" type="datetimeFigureOut">
               <a:rPr lang="en-US" smtClean="0"/>
-              <a:t>10/28/2021</a:t>
+              <a:t>11/4/2021</a:t>
             </a:fld>
             <a:endParaRPr lang="en-US"/>
           </a:p>
@@ -457,7 +457,7 @@
           <a:p>
             <a:fld id="{211EE3AE-DBF7-4FF9-AD81-A3D2A033B24A}" type="datetimeFigureOut">
               <a:rPr lang="en-US" smtClean="0"/>
-              <a:t>10/28/2021</a:t>
+              <a:t>11/4/2021</a:t>
             </a:fld>
             <a:endParaRPr lang="en-US"/>
           </a:p>
@@ -665,7 +665,7 @@
           <a:p>
             <a:fld id="{211EE3AE-DBF7-4FF9-AD81-A3D2A033B24A}" type="datetimeFigureOut">
               <a:rPr lang="en-US" smtClean="0"/>
-              <a:t>10/28/2021</a:t>
+              <a:t>11/4/2021</a:t>
             </a:fld>
             <a:endParaRPr lang="en-US"/>
           </a:p>
@@ -863,7 +863,7 @@
           <a:p>
             <a:fld id="{211EE3AE-DBF7-4FF9-AD81-A3D2A033B24A}" type="datetimeFigureOut">
               <a:rPr lang="en-US" smtClean="0"/>
-              <a:t>10/28/2021</a:t>
+              <a:t>11/4/2021</a:t>
             </a:fld>
             <a:endParaRPr lang="en-US"/>
           </a:p>
@@ -1138,7 +1138,7 @@
           <a:p>
             <a:fld id="{211EE3AE-DBF7-4FF9-AD81-A3D2A033B24A}" type="datetimeFigureOut">
               <a:rPr lang="en-US" smtClean="0"/>
-              <a:t>10/28/2021</a:t>
+              <a:t>11/4/2021</a:t>
             </a:fld>
             <a:endParaRPr lang="en-US"/>
           </a:p>
@@ -1403,7 +1403,7 @@
           <a:p>
             <a:fld id="{211EE3AE-DBF7-4FF9-AD81-A3D2A033B24A}" type="datetimeFigureOut">
               <a:rPr lang="en-US" smtClean="0"/>
-              <a:t>10/28/2021</a:t>
+              <a:t>11/4/2021</a:t>
             </a:fld>
             <a:endParaRPr lang="en-US"/>
           </a:p>
@@ -1815,7 +1815,7 @@
           <a:p>
             <a:fld id="{211EE3AE-DBF7-4FF9-AD81-A3D2A033B24A}" type="datetimeFigureOut">
               <a:rPr lang="en-US" smtClean="0"/>
-              <a:t>10/28/2021</a:t>
+              <a:t>11/4/2021</a:t>
             </a:fld>
             <a:endParaRPr lang="en-US"/>
           </a:p>
@@ -1956,7 +1956,7 @@
           <a:p>
             <a:fld id="{211EE3AE-DBF7-4FF9-AD81-A3D2A033B24A}" type="datetimeFigureOut">
               <a:rPr lang="en-US" smtClean="0"/>
-              <a:t>10/28/2021</a:t>
+              <a:t>11/4/2021</a:t>
             </a:fld>
             <a:endParaRPr lang="en-US"/>
           </a:p>
@@ -2069,7 +2069,7 @@
           <a:p>
             <a:fld id="{211EE3AE-DBF7-4FF9-AD81-A3D2A033B24A}" type="datetimeFigureOut">
               <a:rPr lang="en-US" smtClean="0"/>
-              <a:t>10/28/2021</a:t>
+              <a:t>11/4/2021</a:t>
             </a:fld>
             <a:endParaRPr lang="en-US"/>
           </a:p>
@@ -2380,7 +2380,7 @@
           <a:p>
             <a:fld id="{211EE3AE-DBF7-4FF9-AD81-A3D2A033B24A}" type="datetimeFigureOut">
               <a:rPr lang="en-US" smtClean="0"/>
-              <a:t>10/28/2021</a:t>
+              <a:t>11/4/2021</a:t>
             </a:fld>
             <a:endParaRPr lang="en-US"/>
           </a:p>
@@ -2668,7 +2668,7 @@
           <a:p>
             <a:fld id="{211EE3AE-DBF7-4FF9-AD81-A3D2A033B24A}" type="datetimeFigureOut">
               <a:rPr lang="en-US" smtClean="0"/>
-              <a:t>10/28/2021</a:t>
+              <a:t>11/4/2021</a:t>
             </a:fld>
             <a:endParaRPr lang="en-US"/>
           </a:p>
@@ -2909,7 +2909,7 @@
           <a:p>
             <a:fld id="{211EE3AE-DBF7-4FF9-AD81-A3D2A033B24A}" type="datetimeFigureOut">
               <a:rPr lang="en-US" smtClean="0"/>
-              <a:t>10/28/2021</a:t>
+              <a:t>11/4/2021</a:t>
             </a:fld>
             <a:endParaRPr lang="en-US"/>
           </a:p>
@@ -3348,10 +3348,12 @@
             <a:picLocks noChangeAspect="1"/>
           </p:cNvPicPr>
           <p:nvPr>
-            <a:videoFile r:link="rId2"/>
+            <a:videoFile r:link="rId1"/>
             <p:extLst>
               <p:ext uri="{DAA4B4D4-6D71-4841-9C94-3DE7FCFB9230}">
-                <p14:media xmlns:p14="http://schemas.microsoft.com/office/powerpoint/2010/main" r:embed="rId1"/>
+                <p14:media xmlns:p14="http://schemas.microsoft.com/office/powerpoint/2010/main" r:embed="rId2">
+                  <p14:trim st="2023"/>
+                </p14:media>
               </p:ext>
             </p:extLst>
           </p:nvPr>
@@ -3359,7 +3361,9 @@
         <p:blipFill rotWithShape="1">
           <a:blip r:embed="rId4"/>
           <a:srcRect r="920"/>
-          <a:stretch/>
+          <a:stretch>
+            <a:fillRect/>
+          </a:stretch>
         </p:blipFill>
         <p:spPr>
           <a:xfrm>
@@ -3370,7 +3374,7 @@
             <a:avLst/>
           </a:prstGeom>
           <a:effectLst>
-            <a:reflection blurRad="6350" stA="30000" endPos="32000" dist="101600" dir="5400000" sy="-100000" algn="bl" rotWithShape="0"/>
+            <a:reflection blurRad="6350" stA="44000" endPos="30000" dist="101600" dir="5400000" sy="-100000" algn="bl" rotWithShape="0"/>
           </a:effectLst>
           <a:scene3d>
             <a:camera prst="perspectiveFront">
@@ -3430,7 +3434,7 @@
                                   <p:childTnLst>
                                     <p:cmd type="call" cmd="playFrom(0.0)">
                                       <p:cBhvr>
-                                        <p:cTn id="6" dur="20734" fill="hold"/>
+                                        <p:cTn id="6" dur="18711" fill="hold"/>
                                         <p:tgtEl>
                                           <p:spTgt spid="2"/>
                                         </p:tgtEl>

--- a/resource/document/MetaOutput - Preview.pptx
+++ b/resource/document/MetaOutput - Preview.pptx
@@ -3360,21 +3360,20 @@
         </p:nvPicPr>
         <p:blipFill rotWithShape="1">
           <a:blip r:embed="rId4"/>
-          <a:srcRect r="920"/>
-          <a:stretch>
-            <a:fillRect/>
-          </a:stretch>
+          <a:srcRect l="10" r="912"/>
+          <a:stretch/>
         </p:blipFill>
         <p:spPr>
           <a:xfrm>
-            <a:off x="1350613" y="1941311"/>
+            <a:off x="1350000" y="1941311"/>
             <a:ext cx="8701200" cy="2286000"/>
           </a:xfrm>
           <a:prstGeom prst="rect">
             <a:avLst/>
           </a:prstGeom>
           <a:effectLst>
-            <a:reflection blurRad="6350" stA="44000" endPos="30000" dist="101600" dir="5400000" sy="-100000" algn="bl" rotWithShape="0"/>
+            <a:reflection blurRad="6350" stA="40000" endPos="30000" dist="101600" dir="5400000" sy="-100000" algn="bl" rotWithShape="0"/>
+            <a:softEdge rad="0"/>
           </a:effectLst>
           <a:scene3d>
             <a:camera prst="perspectiveFront">
@@ -3382,7 +3381,11 @@
             </a:camera>
             <a:lightRig rig="threePt" dir="t"/>
           </a:scene3d>
-          <a:sp3d prstMaterial="flat"/>
+          <a:sp3d extrusionH="12700">
+            <a:extrusionClr>
+              <a:schemeClr val="tx1"/>
+            </a:extrusionClr>
+          </a:sp3d>
         </p:spPr>
       </p:pic>
     </p:spTree>
